--- a/Docker.pptx
+++ b/Docker.pptx
@@ -298,7 +298,7 @@
           <a:p>
             <a:fld id="{02AC24A9-CCB6-4F8D-B8DB-C2F3692CFA5A}" type="datetimeFigureOut">
               <a:rPr lang="en-US" smtClean="0"/>
-              <a:t>7/5/2024</a:t>
+              <a:t>7/10/2024</a:t>
             </a:fld>
             <a:endParaRPr lang="en-US"/>
           </a:p>
@@ -496,7 +496,7 @@
           <a:p>
             <a:fld id="{02AC24A9-CCB6-4F8D-B8DB-C2F3692CFA5A}" type="datetimeFigureOut">
               <a:rPr lang="en-US" smtClean="0"/>
-              <a:t>7/5/2024</a:t>
+              <a:t>7/10/2024</a:t>
             </a:fld>
             <a:endParaRPr lang="en-US"/>
           </a:p>
@@ -704,7 +704,7 @@
           <a:p>
             <a:fld id="{02AC24A9-CCB6-4F8D-B8DB-C2F3692CFA5A}" type="datetimeFigureOut">
               <a:rPr lang="en-US" smtClean="0"/>
-              <a:t>7/5/2024</a:t>
+              <a:t>7/10/2024</a:t>
             </a:fld>
             <a:endParaRPr lang="en-US"/>
           </a:p>
@@ -925,7 +925,7 @@
           <a:p>
             <a:fld id="{02AC24A9-CCB6-4F8D-B8DB-C2F3692CFA5A}" type="datetimeFigureOut">
               <a:rPr lang="en-US" smtClean="0"/>
-              <a:t>7/5/2024</a:t>
+              <a:t>7/10/2024</a:t>
             </a:fld>
             <a:endParaRPr lang="en-US"/>
           </a:p>
@@ -1256,7 +1256,7 @@
           <a:p>
             <a:fld id="{02AC24A9-CCB6-4F8D-B8DB-C2F3692CFA5A}" type="datetimeFigureOut">
               <a:rPr lang="en-US" smtClean="0"/>
-              <a:t>7/5/2024</a:t>
+              <a:t>7/10/2024</a:t>
             </a:fld>
             <a:endParaRPr lang="en-US"/>
           </a:p>
@@ -1521,7 +1521,7 @@
           <a:p>
             <a:fld id="{02AC24A9-CCB6-4F8D-B8DB-C2F3692CFA5A}" type="datetimeFigureOut">
               <a:rPr lang="en-US" smtClean="0"/>
-              <a:t>7/5/2024</a:t>
+              <a:t>7/10/2024</a:t>
             </a:fld>
             <a:endParaRPr lang="en-US"/>
           </a:p>
@@ -1933,7 +1933,7 @@
           <a:p>
             <a:fld id="{02AC24A9-CCB6-4F8D-B8DB-C2F3692CFA5A}" type="datetimeFigureOut">
               <a:rPr lang="en-US" smtClean="0"/>
-              <a:t>7/5/2024</a:t>
+              <a:t>7/10/2024</a:t>
             </a:fld>
             <a:endParaRPr lang="en-US"/>
           </a:p>
@@ -2074,7 +2074,7 @@
           <a:p>
             <a:fld id="{02AC24A9-CCB6-4F8D-B8DB-C2F3692CFA5A}" type="datetimeFigureOut">
               <a:rPr lang="en-US" smtClean="0"/>
-              <a:t>7/5/2024</a:t>
+              <a:t>7/10/2024</a:t>
             </a:fld>
             <a:endParaRPr lang="en-US"/>
           </a:p>
@@ -2187,7 +2187,7 @@
           <a:p>
             <a:fld id="{02AC24A9-CCB6-4F8D-B8DB-C2F3692CFA5A}" type="datetimeFigureOut">
               <a:rPr lang="en-US" smtClean="0"/>
-              <a:t>7/5/2024</a:t>
+              <a:t>7/10/2024</a:t>
             </a:fld>
             <a:endParaRPr lang="en-US"/>
           </a:p>
@@ -2498,7 +2498,7 @@
           <a:p>
             <a:fld id="{02AC24A9-CCB6-4F8D-B8DB-C2F3692CFA5A}" type="datetimeFigureOut">
               <a:rPr lang="en-US" smtClean="0"/>
-              <a:t>7/5/2024</a:t>
+              <a:t>7/10/2024</a:t>
             </a:fld>
             <a:endParaRPr lang="en-US"/>
           </a:p>
@@ -2786,7 +2786,7 @@
           <a:p>
             <a:fld id="{02AC24A9-CCB6-4F8D-B8DB-C2F3692CFA5A}" type="datetimeFigureOut">
               <a:rPr lang="en-US" smtClean="0"/>
-              <a:t>7/5/2024</a:t>
+              <a:t>7/10/2024</a:t>
             </a:fld>
             <a:endParaRPr lang="en-US"/>
           </a:p>
@@ -3027,7 +3027,7 @@
           <a:p>
             <a:fld id="{02AC24A9-CCB6-4F8D-B8DB-C2F3692CFA5A}" type="datetimeFigureOut">
               <a:rPr lang="en-US" smtClean="0"/>
-              <a:t>7/5/2024</a:t>
+              <a:t>7/10/2024</a:t>
             </a:fld>
             <a:endParaRPr lang="en-US"/>
           </a:p>
@@ -19573,8 +19573,8 @@
         </p:nvSpPr>
         <p:spPr>
           <a:xfrm>
-            <a:off x="232756" y="1255222"/>
-            <a:ext cx="11959244" cy="5602778"/>
+            <a:off x="232756" y="1130530"/>
+            <a:ext cx="11959244" cy="5727470"/>
           </a:xfrm>
         </p:spPr>
         <p:txBody>
@@ -19598,7 +19598,7 @@
           <a:p>
             <a:r>
               <a:rPr lang="de-DE" dirty="0"/>
-              <a:t>Einmaliges Update aller laufenden Container mit </a:t>
+              <a:t>Einmaliges Update aller laufenden Docker-Container mit </a:t>
             </a:r>
             <a:r>
               <a:rPr lang="de-DE" dirty="0" err="1"/>
@@ -19649,7 +19649,7 @@
                 <a:latin typeface="Courier New" panose="02070309020205020404" pitchFamily="49" charset="0"/>
                 <a:cs typeface="Courier New" panose="02070309020205020404" pitchFamily="49" charset="0"/>
               </a:rPr>
-              <a:t> –</a:t>
+              <a:t> –-</a:t>
             </a:r>
             <a:r>
               <a:rPr lang="de-DE" sz="2000" b="1" dirty="0" err="1">
@@ -19799,7 +19799,7 @@
                 <a:latin typeface="Courier New" panose="02070309020205020404" pitchFamily="49" charset="0"/>
                 <a:cs typeface="Courier New" panose="02070309020205020404" pitchFamily="49" charset="0"/>
               </a:rPr>
-              <a:t>containerrr</a:t>
+              <a:t>containrrr</a:t>
             </a:r>
             <a:r>
               <a:rPr lang="de-DE" sz="2000" b="1" dirty="0">
@@ -20540,7 +20540,7 @@
         </p:blipFill>
         <p:spPr>
           <a:xfrm>
-            <a:off x="9867019" y="1180407"/>
+            <a:off x="9969450" y="1130530"/>
             <a:ext cx="1363475" cy="1370676"/>
           </a:xfrm>
           <a:prstGeom prst="rect">
@@ -21336,7 +21336,7 @@
           <a:p>
             <a:r>
               <a:rPr lang="de-DE" dirty="0"/>
-              <a:t>…Multi-Container-Applikation: mit </a:t>
+              <a:t>…Einzel/Multi-Container-Applikation: mit </a:t>
             </a:r>
             <a:r>
               <a:rPr lang="de-DE" sz="2400" b="1" i="1" dirty="0" err="1">

--- a/Docker.pptx
+++ b/Docker.pptx
@@ -298,7 +298,7 @@
           <a:p>
             <a:fld id="{02AC24A9-CCB6-4F8D-B8DB-C2F3692CFA5A}" type="datetimeFigureOut">
               <a:rPr lang="en-US" smtClean="0"/>
-              <a:t>7/10/2024</a:t>
+              <a:t>10/27/2024</a:t>
             </a:fld>
             <a:endParaRPr lang="en-US"/>
           </a:p>
@@ -496,7 +496,7 @@
           <a:p>
             <a:fld id="{02AC24A9-CCB6-4F8D-B8DB-C2F3692CFA5A}" type="datetimeFigureOut">
               <a:rPr lang="en-US" smtClean="0"/>
-              <a:t>7/10/2024</a:t>
+              <a:t>10/27/2024</a:t>
             </a:fld>
             <a:endParaRPr lang="en-US"/>
           </a:p>
@@ -704,7 +704,7 @@
           <a:p>
             <a:fld id="{02AC24A9-CCB6-4F8D-B8DB-C2F3692CFA5A}" type="datetimeFigureOut">
               <a:rPr lang="en-US" smtClean="0"/>
-              <a:t>7/10/2024</a:t>
+              <a:t>10/27/2024</a:t>
             </a:fld>
             <a:endParaRPr lang="en-US"/>
           </a:p>
@@ -925,7 +925,7 @@
           <a:p>
             <a:fld id="{02AC24A9-CCB6-4F8D-B8DB-C2F3692CFA5A}" type="datetimeFigureOut">
               <a:rPr lang="en-US" smtClean="0"/>
-              <a:t>7/10/2024</a:t>
+              <a:t>10/27/2024</a:t>
             </a:fld>
             <a:endParaRPr lang="en-US"/>
           </a:p>
@@ -1256,7 +1256,7 @@
           <a:p>
             <a:fld id="{02AC24A9-CCB6-4F8D-B8DB-C2F3692CFA5A}" type="datetimeFigureOut">
               <a:rPr lang="en-US" smtClean="0"/>
-              <a:t>7/10/2024</a:t>
+              <a:t>10/27/2024</a:t>
             </a:fld>
             <a:endParaRPr lang="en-US"/>
           </a:p>
@@ -1521,7 +1521,7 @@
           <a:p>
             <a:fld id="{02AC24A9-CCB6-4F8D-B8DB-C2F3692CFA5A}" type="datetimeFigureOut">
               <a:rPr lang="en-US" smtClean="0"/>
-              <a:t>7/10/2024</a:t>
+              <a:t>10/27/2024</a:t>
             </a:fld>
             <a:endParaRPr lang="en-US"/>
           </a:p>
@@ -1933,7 +1933,7 @@
           <a:p>
             <a:fld id="{02AC24A9-CCB6-4F8D-B8DB-C2F3692CFA5A}" type="datetimeFigureOut">
               <a:rPr lang="en-US" smtClean="0"/>
-              <a:t>7/10/2024</a:t>
+              <a:t>10/27/2024</a:t>
             </a:fld>
             <a:endParaRPr lang="en-US"/>
           </a:p>
@@ -2074,7 +2074,7 @@
           <a:p>
             <a:fld id="{02AC24A9-CCB6-4F8D-B8DB-C2F3692CFA5A}" type="datetimeFigureOut">
               <a:rPr lang="en-US" smtClean="0"/>
-              <a:t>7/10/2024</a:t>
+              <a:t>10/27/2024</a:t>
             </a:fld>
             <a:endParaRPr lang="en-US"/>
           </a:p>
@@ -2187,7 +2187,7 @@
           <a:p>
             <a:fld id="{02AC24A9-CCB6-4F8D-B8DB-C2F3692CFA5A}" type="datetimeFigureOut">
               <a:rPr lang="en-US" smtClean="0"/>
-              <a:t>7/10/2024</a:t>
+              <a:t>10/27/2024</a:t>
             </a:fld>
             <a:endParaRPr lang="en-US"/>
           </a:p>
@@ -2498,7 +2498,7 @@
           <a:p>
             <a:fld id="{02AC24A9-CCB6-4F8D-B8DB-C2F3692CFA5A}" type="datetimeFigureOut">
               <a:rPr lang="en-US" smtClean="0"/>
-              <a:t>7/10/2024</a:t>
+              <a:t>10/27/2024</a:t>
             </a:fld>
             <a:endParaRPr lang="en-US"/>
           </a:p>
@@ -2786,7 +2786,7 @@
           <a:p>
             <a:fld id="{02AC24A9-CCB6-4F8D-B8DB-C2F3692CFA5A}" type="datetimeFigureOut">
               <a:rPr lang="en-US" smtClean="0"/>
-              <a:t>7/10/2024</a:t>
+              <a:t>10/27/2024</a:t>
             </a:fld>
             <a:endParaRPr lang="en-US"/>
           </a:p>
@@ -3027,7 +3027,7 @@
           <a:p>
             <a:fld id="{02AC24A9-CCB6-4F8D-B8DB-C2F3692CFA5A}" type="datetimeFigureOut">
               <a:rPr lang="en-US" smtClean="0"/>
-              <a:t>7/10/2024</a:t>
+              <a:t>10/27/2024</a:t>
             </a:fld>
             <a:endParaRPr lang="en-US"/>
           </a:p>
@@ -18817,7 +18817,9 @@
           </a:xfrm>
         </p:spPr>
         <p:txBody>
-          <a:bodyPr/>
+          <a:bodyPr>
+            <a:normAutofit lnSpcReduction="10000"/>
+          </a:bodyPr>
           <a:lstStyle/>
           <a:p>
             <a:r>
@@ -18859,12 +18861,16 @@
               <a:t>compose</a:t>
             </a:r>
             <a:r>
+              <a:rPr lang="de-DE" dirty="0"/>
+              <a:t>-Sprachdefinition (V3.8 und V2.4 sind die neuesten Definitionen), ist </a:t>
+            </a:r>
+            <a:r>
               <a:rPr lang="de-DE"/>
-              <a:t>-Sprachdefinition </a:t>
-            </a:r>
-            <a:r>
-              <a:rPr lang="de-DE" dirty="0"/>
-              <a:t>(V3.8 und V2.4 sind die neuesten Definitionen), siehe auch  </a:t>
+              <a:t>allerdings „obsolete“ </a:t>
+            </a:r>
+            <a:r>
+              <a:rPr lang="de-DE" dirty="0"/>
+              <a:t>(nicht mehr notwendig)</a:t>
             </a:r>
           </a:p>
           <a:p>
@@ -18917,6 +18923,60 @@
             <a:r>
               <a:rPr lang="de-DE" dirty="0"/>
               <a:t>-Datei sind immer jeweils 2 Leerzeichen!</a:t>
+            </a:r>
+          </a:p>
+          <a:p>
+            <a:r>
+              <a:rPr lang="de-DE" dirty="0"/>
+              <a:t>Deutschsprachiges Docker </a:t>
+            </a:r>
+            <a:r>
+              <a:rPr lang="de-DE" dirty="0" err="1"/>
+              <a:t>Compose</a:t>
+            </a:r>
+            <a:r>
+              <a:rPr lang="de-DE" dirty="0"/>
+              <a:t> Tutorial: </a:t>
+            </a:r>
+            <a:r>
+              <a:rPr lang="de-DE" dirty="0">
+                <a:hlinkClick r:id="rId2"/>
+              </a:rPr>
+              <a:t>https://www.youtube.com/watch?v=0jC5B9iTF_g</a:t>
+            </a:r>
+            <a:r>
+              <a:rPr lang="de-DE" dirty="0"/>
+              <a:t> </a:t>
+            </a:r>
+          </a:p>
+          <a:p>
+            <a:r>
+              <a:rPr lang="de-DE" dirty="0"/>
+              <a:t>Englisch: </a:t>
+            </a:r>
+            <a:r>
+              <a:rPr lang="de-DE" dirty="0">
+                <a:hlinkClick r:id="rId3"/>
+              </a:rPr>
+              <a:t>https://www.youtube.com/watch?v=SXwC9fSwct8</a:t>
+            </a:r>
+            <a:r>
+              <a:rPr lang="de-DE" dirty="0"/>
+              <a:t> </a:t>
+            </a:r>
+          </a:p>
+          <a:p>
+            <a:r>
+              <a:rPr lang="de-DE" dirty="0"/>
+              <a:t>Siehe auch meine Docker </a:t>
+            </a:r>
+            <a:r>
+              <a:rPr lang="de-DE" dirty="0" err="1"/>
+              <a:t>Compose</a:t>
+            </a:r>
+            <a:r>
+              <a:rPr lang="de-DE" dirty="0"/>
+              <a:t> Kurzreferenz!</a:t>
             </a:r>
           </a:p>
           <a:p>
@@ -19073,28 +19133,31 @@
               <a:t>Neuen Container erstellen (</a:t>
             </a:r>
             <a:r>
-              <a:rPr lang="de-DE" sz="2000" b="1" dirty="0" err="1">
+              <a:rPr lang="de-DE" sz="2100" b="1" dirty="0" err="1">
                 <a:latin typeface="Courier New" panose="02070309020205020404" pitchFamily="49" charset="0"/>
                 <a:cs typeface="Courier New" panose="02070309020205020404" pitchFamily="49" charset="0"/>
               </a:rPr>
               <a:t>docker</a:t>
             </a:r>
             <a:r>
-              <a:rPr lang="de-DE" sz="2000" b="1" dirty="0">
+              <a:rPr lang="de-DE" sz="2100" b="1" dirty="0">
                 <a:latin typeface="Courier New" panose="02070309020205020404" pitchFamily="49" charset="0"/>
                 <a:cs typeface="Courier New" panose="02070309020205020404" pitchFamily="49" charset="0"/>
               </a:rPr>
               <a:t> </a:t>
             </a:r>
             <a:r>
-              <a:rPr lang="de-DE" sz="2000" b="1" dirty="0" err="1">
+              <a:rPr lang="de-DE" sz="2100" b="1" dirty="0" err="1">
                 <a:latin typeface="Courier New" panose="02070309020205020404" pitchFamily="49" charset="0"/>
                 <a:cs typeface="Courier New" panose="02070309020205020404" pitchFamily="49" charset="0"/>
               </a:rPr>
               <a:t>run</a:t>
             </a:r>
             <a:r>
-              <a:rPr lang="de-DE" dirty="0"/>
+              <a:rPr lang="de-DE" sz="2100" b="1" dirty="0">
+                <a:latin typeface="Courier New" panose="02070309020205020404" pitchFamily="49" charset="0"/>
+                <a:cs typeface="Courier New" panose="02070309020205020404" pitchFamily="49" charset="0"/>
+              </a:rPr>
               <a:t>…)</a:t>
             </a:r>
           </a:p>
@@ -19125,7 +19188,7 @@
               <a:t>Z.B. </a:t>
             </a:r>
             <a:r>
-              <a:rPr lang="en-US" sz="2000" b="1" dirty="0">
+              <a:rPr lang="en-US" sz="2300" b="1" dirty="0">
                 <a:latin typeface="Courier New" panose="02070309020205020404" pitchFamily="49" charset="0"/>
                 <a:cs typeface="Courier New" panose="02070309020205020404" pitchFamily="49" charset="0"/>
               </a:rPr>
@@ -19164,7 +19227,7 @@
               <a:t> </a:t>
             </a:r>
             <a:r>
-              <a:rPr lang="en-US" sz="2000" b="1" dirty="0">
+              <a:rPr lang="en-US" sz="2300" b="1" dirty="0">
                 <a:latin typeface="Courier New" panose="02070309020205020404" pitchFamily="49" charset="0"/>
                 <a:cs typeface="Courier New" panose="02070309020205020404" pitchFamily="49" charset="0"/>
               </a:rPr>
